--- a/Fridge Fren.pptx
+++ b/Fridge Fren.pptx
@@ -641,6 +641,174 @@
 </file>
 
 <file path=ppt/notesSlides/notesSlide1.xml><?xml version="1.0" encoding="utf-8"?>
+<p:notes xmlns:a="http://schemas.openxmlformats.org/drawingml/2006/main" xmlns:r="http://schemas.openxmlformats.org/officeDocument/2006/relationships" xmlns:p="http://schemas.openxmlformats.org/presentationml/2006/main">
+  <p:cSld>
+    <p:spTree>
+      <p:nvGrpSpPr>
+        <p:cNvPr id="1" name=""/>
+        <p:cNvGrpSpPr/>
+        <p:nvPr/>
+      </p:nvGrpSpPr>
+      <p:grpSpPr>
+        <a:xfrm>
+          <a:off x="0" y="0"/>
+          <a:ext cx="0" cy="0"/>
+          <a:chOff x="0" y="0"/>
+          <a:chExt cx="0" cy="0"/>
+        </a:xfrm>
+      </p:grpSpPr>
+      <p:sp>
+        <p:nvSpPr>
+          <p:cNvPr id="2" name="Slide Image Placeholder 1"/>
+          <p:cNvSpPr>
+            <a:spLocks noGrp="1" noRot="1" noChangeAspect="1"/>
+          </p:cNvSpPr>
+          <p:nvPr>
+            <p:ph type="sldImg"/>
+          </p:nvPr>
+        </p:nvSpPr>
+        <p:spPr/>
+      </p:sp>
+      <p:sp>
+        <p:nvSpPr>
+          <p:cNvPr id="3" name="Notes Placeholder 2"/>
+          <p:cNvSpPr>
+            <a:spLocks noGrp="1"/>
+          </p:cNvSpPr>
+          <p:nvPr>
+            <p:ph type="body" idx="1"/>
+          </p:nvPr>
+        </p:nvSpPr>
+        <p:spPr/>
+        <p:txBody>
+          <a:bodyPr/>
+          <a:lstStyle/>
+          <a:p>
+            <a:endParaRPr lang="en-AU" dirty="0"/>
+          </a:p>
+        </p:txBody>
+      </p:sp>
+      <p:sp>
+        <p:nvSpPr>
+          <p:cNvPr id="4" name="Slide Number Placeholder 3"/>
+          <p:cNvSpPr>
+            <a:spLocks noGrp="1"/>
+          </p:cNvSpPr>
+          <p:nvPr>
+            <p:ph type="sldNum" sz="quarter" idx="10"/>
+          </p:nvPr>
+        </p:nvSpPr>
+        <p:spPr/>
+        <p:txBody>
+          <a:bodyPr/>
+          <a:lstStyle/>
+          <a:p>
+            <a:fld id="{5A646F7D-A22A-4048-B72B-8D7733B86FC5}" type="slidenum">
+              <a:rPr lang="en-AU" smtClean="0"/>
+              <a:t>1</a:t>
+            </a:fld>
+            <a:endParaRPr lang="en-AU"/>
+          </a:p>
+        </p:txBody>
+      </p:sp>
+    </p:spTree>
+    <p:extLst>
+      <p:ext uri="{BB962C8B-B14F-4D97-AF65-F5344CB8AC3E}">
+        <p14:creationId xmlns:p14="http://schemas.microsoft.com/office/powerpoint/2010/main" val="3147271890"/>
+      </p:ext>
+    </p:extLst>
+  </p:cSld>
+  <p:clrMapOvr>
+    <a:masterClrMapping/>
+  </p:clrMapOvr>
+</p:notes>
+</file>
+
+<file path=ppt/notesSlides/notesSlide2.xml><?xml version="1.0" encoding="utf-8"?>
+<p:notes xmlns:a="http://schemas.openxmlformats.org/drawingml/2006/main" xmlns:r="http://schemas.openxmlformats.org/officeDocument/2006/relationships" xmlns:p="http://schemas.openxmlformats.org/presentationml/2006/main">
+  <p:cSld>
+    <p:spTree>
+      <p:nvGrpSpPr>
+        <p:cNvPr id="1" name=""/>
+        <p:cNvGrpSpPr/>
+        <p:nvPr/>
+      </p:nvGrpSpPr>
+      <p:grpSpPr>
+        <a:xfrm>
+          <a:off x="0" y="0"/>
+          <a:ext cx="0" cy="0"/>
+          <a:chOff x="0" y="0"/>
+          <a:chExt cx="0" cy="0"/>
+        </a:xfrm>
+      </p:grpSpPr>
+      <p:sp>
+        <p:nvSpPr>
+          <p:cNvPr id="2" name="Slide Image Placeholder 1"/>
+          <p:cNvSpPr>
+            <a:spLocks noGrp="1" noRot="1" noChangeAspect="1"/>
+          </p:cNvSpPr>
+          <p:nvPr>
+            <p:ph type="sldImg"/>
+          </p:nvPr>
+        </p:nvSpPr>
+        <p:spPr/>
+      </p:sp>
+      <p:sp>
+        <p:nvSpPr>
+          <p:cNvPr id="3" name="Notes Placeholder 2"/>
+          <p:cNvSpPr>
+            <a:spLocks noGrp="1"/>
+          </p:cNvSpPr>
+          <p:nvPr>
+            <p:ph type="body" idx="1"/>
+          </p:nvPr>
+        </p:nvSpPr>
+        <p:spPr/>
+        <p:txBody>
+          <a:bodyPr/>
+          <a:lstStyle/>
+          <a:p>
+            <a:endParaRPr lang="en-AU" dirty="0"/>
+          </a:p>
+        </p:txBody>
+      </p:sp>
+      <p:sp>
+        <p:nvSpPr>
+          <p:cNvPr id="4" name="Slide Number Placeholder 3"/>
+          <p:cNvSpPr>
+            <a:spLocks noGrp="1"/>
+          </p:cNvSpPr>
+          <p:nvPr>
+            <p:ph type="sldNum" sz="quarter" idx="10"/>
+          </p:nvPr>
+        </p:nvSpPr>
+        <p:spPr/>
+        <p:txBody>
+          <a:bodyPr/>
+          <a:lstStyle/>
+          <a:p>
+            <a:fld id="{5A646F7D-A22A-4048-B72B-8D7733B86FC5}" type="slidenum">
+              <a:rPr lang="en-AU" smtClean="0"/>
+              <a:t>2</a:t>
+            </a:fld>
+            <a:endParaRPr lang="en-AU"/>
+          </a:p>
+        </p:txBody>
+      </p:sp>
+    </p:spTree>
+    <p:extLst>
+      <p:ext uri="{BB962C8B-B14F-4D97-AF65-F5344CB8AC3E}">
+        <p14:creationId xmlns:p14="http://schemas.microsoft.com/office/powerpoint/2010/main" val="3306221140"/>
+      </p:ext>
+    </p:extLst>
+  </p:cSld>
+  <p:clrMapOvr>
+    <a:masterClrMapping/>
+  </p:clrMapOvr>
+</p:notes>
+</file>
+
+<file path=ppt/notesSlides/notesSlide3.xml><?xml version="1.0" encoding="utf-8"?>
 <p:notes xmlns:a="http://schemas.openxmlformats.org/drawingml/2006/main" xmlns:r="http://schemas.openxmlformats.org/officeDocument/2006/relationships" xmlns:p="http://schemas.openxmlformats.org/presentationml/2006/main">
   <p:cSld>
     <p:spTree>
@@ -3590,316 +3758,6 @@
           <a:chExt cx="0" cy="0"/>
         </a:xfrm>
       </p:grpSpPr>
-      <p:sp>
-        <p:nvSpPr>
-          <p:cNvPr id="2" name="Title 1"/>
-          <p:cNvSpPr>
-            <a:spLocks noGrp="1"/>
-          </p:cNvSpPr>
-          <p:nvPr>
-            <p:ph type="ctrTitle"/>
-          </p:nvPr>
-        </p:nvSpPr>
-        <p:spPr>
-          <a:xfrm>
-            <a:off x="1524000" y="1122363"/>
-            <a:ext cx="9144000" cy="932940"/>
-          </a:xfrm>
-        </p:spPr>
-        <p:txBody>
-          <a:bodyPr>
-            <a:noAutofit/>
-          </a:bodyPr>
-          <a:lstStyle/>
-          <a:p>
-            <a:r>
-              <a:rPr lang="en-AU" sz="8000" dirty="0" smtClean="0">
-                <a:ln>
-                  <a:solidFill>
-                    <a:schemeClr val="accent6">
-                      <a:lumMod val="75000"/>
-                    </a:schemeClr>
-                  </a:solidFill>
-                </a:ln>
-                <a:solidFill>
-                  <a:schemeClr val="accent6">
-                    <a:lumMod val="20000"/>
-                    <a:lumOff val="80000"/>
-                  </a:schemeClr>
-                </a:solidFill>
-                <a:effectLst>
-                  <a:glow rad="139700">
-                    <a:schemeClr val="accent6">
-                      <a:satMod val="175000"/>
-                      <a:alpha val="40000"/>
-                    </a:schemeClr>
-                  </a:glow>
-                </a:effectLst>
-              </a:rPr>
-              <a:t>Fridge Fren</a:t>
-            </a:r>
-            <a:endParaRPr lang="en-AU" sz="8000" dirty="0">
-              <a:ln>
-                <a:solidFill>
-                  <a:schemeClr val="accent6">
-                    <a:lumMod val="75000"/>
-                  </a:schemeClr>
-                </a:solidFill>
-              </a:ln>
-              <a:solidFill>
-                <a:schemeClr val="accent6">
-                  <a:lumMod val="20000"/>
-                  <a:lumOff val="80000"/>
-                </a:schemeClr>
-              </a:solidFill>
-              <a:effectLst>
-                <a:glow rad="139700">
-                  <a:schemeClr val="accent6">
-                    <a:satMod val="175000"/>
-                    <a:alpha val="40000"/>
-                  </a:schemeClr>
-                </a:glow>
-              </a:effectLst>
-            </a:endParaRPr>
-          </a:p>
-        </p:txBody>
-      </p:sp>
-      <p:sp>
-        <p:nvSpPr>
-          <p:cNvPr id="3" name="Subtitle 2"/>
-          <p:cNvSpPr>
-            <a:spLocks noGrp="1"/>
-          </p:cNvSpPr>
-          <p:nvPr>
-            <p:ph type="subTitle" idx="1"/>
-          </p:nvPr>
-        </p:nvSpPr>
-        <p:spPr>
-          <a:xfrm>
-            <a:off x="1524000" y="2217855"/>
-            <a:ext cx="9144000" cy="1655762"/>
-          </a:xfrm>
-        </p:spPr>
-        <p:txBody>
-          <a:bodyPr>
-            <a:normAutofit lnSpcReduction="10000"/>
-          </a:bodyPr>
-          <a:lstStyle/>
-          <a:p>
-            <a:r>
-              <a:rPr lang="en-AU" sz="3400" dirty="0" smtClean="0">
-                <a:solidFill>
-                  <a:schemeClr val="bg2">
-                    <a:lumMod val="50000"/>
-                  </a:schemeClr>
-                </a:solidFill>
-              </a:rPr>
-              <a:t>A friendly recipe search application </a:t>
-            </a:r>
-          </a:p>
-          <a:p>
-            <a:endParaRPr lang="en-AU" sz="1200" dirty="0">
-              <a:solidFill>
-                <a:schemeClr val="bg2">
-                  <a:lumMod val="50000"/>
-                </a:schemeClr>
-              </a:solidFill>
-            </a:endParaRPr>
-          </a:p>
-          <a:p>
-            <a:r>
-              <a:rPr lang="en-AU" dirty="0" smtClean="0">
-                <a:solidFill>
-                  <a:schemeClr val="bg2">
-                    <a:lumMod val="50000"/>
-                  </a:schemeClr>
-                </a:solidFill>
-              </a:rPr>
-              <a:t>Created by</a:t>
-            </a:r>
-          </a:p>
-          <a:p>
-            <a:r>
-              <a:rPr lang="en-AU" dirty="0" smtClean="0">
-                <a:solidFill>
-                  <a:schemeClr val="bg2">
-                    <a:lumMod val="50000"/>
-                  </a:schemeClr>
-                </a:solidFill>
-              </a:rPr>
-              <a:t>Daniel, Federico and Natalie</a:t>
-            </a:r>
-            <a:endParaRPr lang="en-AU" dirty="0">
-              <a:solidFill>
-                <a:schemeClr val="bg2">
-                  <a:lumMod val="50000"/>
-                </a:schemeClr>
-              </a:solidFill>
-            </a:endParaRPr>
-          </a:p>
-        </p:txBody>
-      </p:sp>
-      <p:sp>
-        <p:nvSpPr>
-          <p:cNvPr id="4" name="Rectangle 3"/>
-          <p:cNvSpPr/>
-          <p:nvPr/>
-        </p:nvSpPr>
-        <p:spPr>
-          <a:xfrm>
-            <a:off x="636724" y="0"/>
-            <a:ext cx="1038687" cy="6858000"/>
-          </a:xfrm>
-          <a:prstGeom prst="rect">
-            <a:avLst/>
-          </a:prstGeom>
-        </p:spPr>
-        <p:style>
-          <a:lnRef idx="2">
-            <a:schemeClr val="accent6">
-              <a:shade val="50000"/>
-            </a:schemeClr>
-          </a:lnRef>
-          <a:fillRef idx="1">
-            <a:schemeClr val="accent6"/>
-          </a:fillRef>
-          <a:effectRef idx="0">
-            <a:schemeClr val="accent6"/>
-          </a:effectRef>
-          <a:fontRef idx="minor">
-            <a:schemeClr val="lt1"/>
-          </a:fontRef>
-        </p:style>
-        <p:txBody>
-          <a:bodyPr rtlCol="0" anchor="ctr"/>
-          <a:lstStyle/>
-          <a:p>
-            <a:pPr algn="ctr"/>
-            <a:endParaRPr lang="en-AU"/>
-          </a:p>
-        </p:txBody>
-      </p:sp>
-      <p:pic>
-        <p:nvPicPr>
-          <p:cNvPr id="8" name="Picture 7"/>
-          <p:cNvPicPr>
-            <a:picLocks noChangeAspect="1"/>
-          </p:cNvPicPr>
-          <p:nvPr/>
-        </p:nvPicPr>
-        <p:blipFill>
-          <a:blip r:embed="rId2"/>
-          <a:stretch>
-            <a:fillRect/>
-          </a:stretch>
-        </p:blipFill>
-        <p:spPr>
-          <a:xfrm>
-            <a:off x="1258083" y="2951121"/>
-            <a:ext cx="3129177" cy="1884857"/>
-          </a:xfrm>
-          <a:prstGeom prst="hexagon">
-            <a:avLst/>
-          </a:prstGeom>
-        </p:spPr>
-      </p:pic>
-      <p:cxnSp>
-        <p:nvCxnSpPr>
-          <p:cNvPr id="10" name="Straight Connector 9"/>
-          <p:cNvCxnSpPr/>
-          <p:nvPr/>
-        </p:nvCxnSpPr>
-        <p:spPr>
-          <a:xfrm>
-            <a:off x="1732379" y="2847748"/>
-            <a:ext cx="2226846" cy="0"/>
-          </a:xfrm>
-          <a:prstGeom prst="line">
-            <a:avLst/>
-          </a:prstGeom>
-        </p:spPr>
-        <p:style>
-          <a:lnRef idx="1">
-            <a:schemeClr val="accent6"/>
-          </a:lnRef>
-          <a:fillRef idx="0">
-            <a:schemeClr val="accent6"/>
-          </a:fillRef>
-          <a:effectRef idx="0">
-            <a:schemeClr val="accent6"/>
-          </a:effectRef>
-          <a:fontRef idx="minor">
-            <a:schemeClr val="tx1"/>
-          </a:fontRef>
-        </p:style>
-      </p:cxnSp>
-      <p:cxnSp>
-        <p:nvCxnSpPr>
-          <p:cNvPr id="12" name="Straight Connector 11"/>
-          <p:cNvCxnSpPr/>
-          <p:nvPr/>
-        </p:nvCxnSpPr>
-        <p:spPr>
-          <a:xfrm>
-            <a:off x="3959225" y="2847745"/>
-            <a:ext cx="492125" cy="1025867"/>
-          </a:xfrm>
-          <a:prstGeom prst="line">
-            <a:avLst/>
-          </a:prstGeom>
-        </p:spPr>
-        <p:style>
-          <a:lnRef idx="1">
-            <a:schemeClr val="accent6"/>
-          </a:lnRef>
-          <a:fillRef idx="0">
-            <a:schemeClr val="accent6"/>
-          </a:fillRef>
-          <a:effectRef idx="0">
-            <a:schemeClr val="accent6"/>
-          </a:effectRef>
-          <a:fontRef idx="minor">
-            <a:schemeClr val="tx1"/>
-          </a:fontRef>
-        </p:style>
-      </p:cxnSp>
-      <p:cxnSp>
-        <p:nvCxnSpPr>
-          <p:cNvPr id="23" name="Straight Connector 22"/>
-          <p:cNvCxnSpPr/>
-          <p:nvPr/>
-        </p:nvCxnSpPr>
-        <p:spPr>
-          <a:xfrm flipV="1">
-            <a:off x="3993502" y="3873616"/>
-            <a:ext cx="457848" cy="962363"/>
-          </a:xfrm>
-          <a:prstGeom prst="line">
-            <a:avLst/>
-          </a:prstGeom>
-          <a:ln>
-            <a:solidFill>
-              <a:schemeClr val="accent6">
-                <a:lumMod val="75000"/>
-              </a:schemeClr>
-            </a:solidFill>
-          </a:ln>
-        </p:spPr>
-        <p:style>
-          <a:lnRef idx="1">
-            <a:schemeClr val="accent5"/>
-          </a:lnRef>
-          <a:fillRef idx="0">
-            <a:schemeClr val="accent5"/>
-          </a:fillRef>
-          <a:effectRef idx="0">
-            <a:schemeClr val="accent5"/>
-          </a:effectRef>
-          <a:fontRef idx="minor">
-            <a:schemeClr val="tx1"/>
-          </a:fontRef>
-        </p:style>
-      </p:cxnSp>
       <p:grpSp>
         <p:nvGrpSpPr>
           <p:cNvPr id="48" name="Group 47"/>
@@ -3908,8 +3766,8 @@
         </p:nvGrpSpPr>
         <p:grpSpPr>
           <a:xfrm>
-            <a:off x="3368351" y="1076984"/>
-            <a:ext cx="382555" cy="706397"/>
+            <a:off x="6216327" y="1117662"/>
+            <a:ext cx="365448" cy="653076"/>
             <a:chOff x="2946201" y="951677"/>
             <a:chExt cx="674244" cy="885361"/>
           </a:xfrm>
@@ -4021,6 +3879,323 @@
           </p:style>
         </p:cxnSp>
       </p:grpSp>
+      <p:sp>
+        <p:nvSpPr>
+          <p:cNvPr id="2" name="Title 1"/>
+          <p:cNvSpPr>
+            <a:spLocks noGrp="1"/>
+          </p:cNvSpPr>
+          <p:nvPr>
+            <p:ph type="ctrTitle"/>
+          </p:nvPr>
+        </p:nvSpPr>
+        <p:spPr>
+          <a:xfrm>
+            <a:off x="1524000" y="1222711"/>
+            <a:ext cx="9144000" cy="932940"/>
+          </a:xfrm>
+        </p:spPr>
+        <p:txBody>
+          <a:bodyPr>
+            <a:noAutofit/>
+          </a:bodyPr>
+          <a:lstStyle/>
+          <a:p>
+            <a:r>
+              <a:rPr lang="en-AU" sz="8000" dirty="0" smtClean="0">
+                <a:ln>
+                  <a:solidFill>
+                    <a:schemeClr val="accent6">
+                      <a:lumMod val="75000"/>
+                    </a:schemeClr>
+                  </a:solidFill>
+                </a:ln>
+                <a:solidFill>
+                  <a:schemeClr val="accent6">
+                    <a:lumMod val="20000"/>
+                    <a:lumOff val="80000"/>
+                  </a:schemeClr>
+                </a:solidFill>
+                <a:effectLst>
+                  <a:glow rad="139700">
+                    <a:schemeClr val="accent6">
+                      <a:satMod val="175000"/>
+                      <a:alpha val="40000"/>
+                    </a:schemeClr>
+                  </a:glow>
+                </a:effectLst>
+                <a:latin typeface="Autography" pitchFamily="50" charset="0"/>
+              </a:rPr>
+              <a:t>Fridge Fren</a:t>
+            </a:r>
+            <a:endParaRPr lang="en-AU" sz="8000" dirty="0">
+              <a:ln>
+                <a:solidFill>
+                  <a:schemeClr val="accent6">
+                    <a:lumMod val="75000"/>
+                  </a:schemeClr>
+                </a:solidFill>
+              </a:ln>
+              <a:solidFill>
+                <a:schemeClr val="accent6">
+                  <a:lumMod val="20000"/>
+                  <a:lumOff val="80000"/>
+                </a:schemeClr>
+              </a:solidFill>
+              <a:effectLst>
+                <a:glow rad="139700">
+                  <a:schemeClr val="accent6">
+                    <a:satMod val="175000"/>
+                    <a:alpha val="40000"/>
+                  </a:schemeClr>
+                </a:glow>
+              </a:effectLst>
+              <a:latin typeface="Autography" pitchFamily="50" charset="0"/>
+            </a:endParaRPr>
+          </a:p>
+        </p:txBody>
+      </p:sp>
+      <p:sp>
+        <p:nvSpPr>
+          <p:cNvPr id="3" name="Subtitle 2"/>
+          <p:cNvSpPr>
+            <a:spLocks noGrp="1"/>
+          </p:cNvSpPr>
+          <p:nvPr>
+            <p:ph type="subTitle" idx="1"/>
+          </p:nvPr>
+        </p:nvSpPr>
+        <p:spPr>
+          <a:xfrm>
+            <a:off x="1524000" y="2217855"/>
+            <a:ext cx="9144000" cy="1655762"/>
+          </a:xfrm>
+        </p:spPr>
+        <p:txBody>
+          <a:bodyPr>
+            <a:normAutofit lnSpcReduction="10000"/>
+          </a:bodyPr>
+          <a:lstStyle/>
+          <a:p>
+            <a:r>
+              <a:rPr lang="en-AU" sz="3400" dirty="0" smtClean="0">
+                <a:solidFill>
+                  <a:schemeClr val="bg2">
+                    <a:lumMod val="50000"/>
+                  </a:schemeClr>
+                </a:solidFill>
+              </a:rPr>
+              <a:t>A friendly recipe search application </a:t>
+            </a:r>
+          </a:p>
+          <a:p>
+            <a:endParaRPr lang="en-AU" sz="1200" dirty="0">
+              <a:solidFill>
+                <a:schemeClr val="bg2">
+                  <a:lumMod val="50000"/>
+                </a:schemeClr>
+              </a:solidFill>
+            </a:endParaRPr>
+          </a:p>
+          <a:p>
+            <a:r>
+              <a:rPr lang="en-AU" dirty="0" smtClean="0">
+                <a:solidFill>
+                  <a:schemeClr val="bg2">
+                    <a:lumMod val="50000"/>
+                  </a:schemeClr>
+                </a:solidFill>
+              </a:rPr>
+              <a:t>Created by</a:t>
+            </a:r>
+          </a:p>
+          <a:p>
+            <a:r>
+              <a:rPr lang="en-AU" dirty="0" smtClean="0">
+                <a:solidFill>
+                  <a:schemeClr val="bg2">
+                    <a:lumMod val="50000"/>
+                  </a:schemeClr>
+                </a:solidFill>
+              </a:rPr>
+              <a:t>  Daniel, Federico and Natalie</a:t>
+            </a:r>
+            <a:endParaRPr lang="en-AU" dirty="0">
+              <a:solidFill>
+                <a:schemeClr val="bg2">
+                  <a:lumMod val="50000"/>
+                </a:schemeClr>
+              </a:solidFill>
+            </a:endParaRPr>
+          </a:p>
+        </p:txBody>
+      </p:sp>
+      <p:sp>
+        <p:nvSpPr>
+          <p:cNvPr id="4" name="Rectangle 3"/>
+          <p:cNvSpPr/>
+          <p:nvPr/>
+        </p:nvSpPr>
+        <p:spPr>
+          <a:xfrm>
+            <a:off x="636724" y="0"/>
+            <a:ext cx="1038687" cy="6858000"/>
+          </a:xfrm>
+          <a:prstGeom prst="rect">
+            <a:avLst/>
+          </a:prstGeom>
+          <a:ln>
+            <a:solidFill>
+              <a:schemeClr val="accent6"/>
+            </a:solidFill>
+          </a:ln>
+        </p:spPr>
+        <p:style>
+          <a:lnRef idx="2">
+            <a:schemeClr val="accent6">
+              <a:shade val="50000"/>
+            </a:schemeClr>
+          </a:lnRef>
+          <a:fillRef idx="1">
+            <a:schemeClr val="accent6"/>
+          </a:fillRef>
+          <a:effectRef idx="0">
+            <a:schemeClr val="accent6"/>
+          </a:effectRef>
+          <a:fontRef idx="minor">
+            <a:schemeClr val="lt1"/>
+          </a:fontRef>
+        </p:style>
+        <p:txBody>
+          <a:bodyPr rtlCol="0" anchor="ctr"/>
+          <a:lstStyle/>
+          <a:p>
+            <a:pPr algn="ctr"/>
+            <a:endParaRPr lang="en-AU"/>
+          </a:p>
+        </p:txBody>
+      </p:sp>
+      <p:pic>
+        <p:nvPicPr>
+          <p:cNvPr id="8" name="Picture 7"/>
+          <p:cNvPicPr>
+            <a:picLocks noChangeAspect="1"/>
+          </p:cNvPicPr>
+          <p:nvPr/>
+        </p:nvPicPr>
+        <p:blipFill>
+          <a:blip r:embed="rId4"/>
+          <a:stretch>
+            <a:fillRect/>
+          </a:stretch>
+        </p:blipFill>
+        <p:spPr>
+          <a:xfrm>
+            <a:off x="1258083" y="2951121"/>
+            <a:ext cx="3129177" cy="1884857"/>
+          </a:xfrm>
+          <a:prstGeom prst="hexagon">
+            <a:avLst/>
+          </a:prstGeom>
+        </p:spPr>
+      </p:pic>
+      <p:cxnSp>
+        <p:nvCxnSpPr>
+          <p:cNvPr id="10" name="Straight Connector 9"/>
+          <p:cNvCxnSpPr/>
+          <p:nvPr/>
+        </p:nvCxnSpPr>
+        <p:spPr>
+          <a:xfrm>
+            <a:off x="1675411" y="2847745"/>
+            <a:ext cx="2283814" cy="3"/>
+          </a:xfrm>
+          <a:prstGeom prst="line">
+            <a:avLst/>
+          </a:prstGeom>
+        </p:spPr>
+        <p:style>
+          <a:lnRef idx="1">
+            <a:schemeClr val="accent6"/>
+          </a:lnRef>
+          <a:fillRef idx="0">
+            <a:schemeClr val="accent6"/>
+          </a:fillRef>
+          <a:effectRef idx="0">
+            <a:schemeClr val="accent6"/>
+          </a:effectRef>
+          <a:fontRef idx="minor">
+            <a:schemeClr val="tx1"/>
+          </a:fontRef>
+        </p:style>
+      </p:cxnSp>
+      <p:cxnSp>
+        <p:nvCxnSpPr>
+          <p:cNvPr id="12" name="Straight Connector 11"/>
+          <p:cNvCxnSpPr/>
+          <p:nvPr/>
+        </p:nvCxnSpPr>
+        <p:spPr>
+          <a:xfrm>
+            <a:off x="3959225" y="2847745"/>
+            <a:ext cx="492125" cy="1025867"/>
+          </a:xfrm>
+          <a:prstGeom prst="line">
+            <a:avLst/>
+          </a:prstGeom>
+        </p:spPr>
+        <p:style>
+          <a:lnRef idx="1">
+            <a:schemeClr val="accent6"/>
+          </a:lnRef>
+          <a:fillRef idx="0">
+            <a:schemeClr val="accent6"/>
+          </a:fillRef>
+          <a:effectRef idx="0">
+            <a:schemeClr val="accent6"/>
+          </a:effectRef>
+          <a:fontRef idx="minor">
+            <a:schemeClr val="tx1"/>
+          </a:fontRef>
+        </p:style>
+      </p:cxnSp>
+      <p:cxnSp>
+        <p:nvCxnSpPr>
+          <p:cNvPr id="23" name="Straight Connector 22"/>
+          <p:cNvCxnSpPr/>
+          <p:nvPr/>
+        </p:nvCxnSpPr>
+        <p:spPr>
+          <a:xfrm flipV="1">
+            <a:off x="3993502" y="3873616"/>
+            <a:ext cx="457848" cy="962363"/>
+          </a:xfrm>
+          <a:prstGeom prst="line">
+            <a:avLst/>
+          </a:prstGeom>
+          <a:ln>
+            <a:solidFill>
+              <a:schemeClr val="accent6">
+                <a:lumMod val="75000"/>
+              </a:schemeClr>
+            </a:solidFill>
+          </a:ln>
+        </p:spPr>
+        <p:style>
+          <a:lnRef idx="1">
+            <a:schemeClr val="accent5"/>
+          </a:lnRef>
+          <a:fillRef idx="0">
+            <a:schemeClr val="accent5"/>
+          </a:fillRef>
+          <a:effectRef idx="0">
+            <a:schemeClr val="accent5"/>
+          </a:effectRef>
+          <a:fontRef idx="minor">
+            <a:schemeClr val="tx1"/>
+          </a:fontRef>
+        </p:style>
+      </p:cxnSp>
       <p:grpSp>
         <p:nvGrpSpPr>
           <p:cNvPr id="53" name="Group 52"/>
@@ -4132,6 +4307,44 @@
           </a:p>
         </p:txBody>
       </p:sp>
+      <p:sp>
+        <p:nvSpPr>
+          <p:cNvPr id="58" name="TextBox 57"/>
+          <p:cNvSpPr txBox="1"/>
+          <p:nvPr/>
+        </p:nvSpPr>
+        <p:spPr>
+          <a:xfrm>
+            <a:off x="1675411" y="6448021"/>
+            <a:ext cx="4248150" cy="461665"/>
+          </a:xfrm>
+          <a:prstGeom prst="rect">
+            <a:avLst/>
+          </a:prstGeom>
+          <a:noFill/>
+        </p:spPr>
+        <p:txBody>
+          <a:bodyPr wrap="square" rtlCol="0">
+            <a:spAutoFit/>
+          </a:bodyPr>
+          <a:lstStyle/>
+          <a:p>
+            <a:r>
+              <a:rPr lang="en-AU" sz="2400" dirty="0" smtClean="0">
+                <a:solidFill>
+                  <a:schemeClr val="accent6"/>
+                </a:solidFill>
+              </a:rPr>
+              <a:t>Eat great. Feel greater!</a:t>
+            </a:r>
+            <a:endParaRPr lang="en-AU" sz="2400" dirty="0">
+              <a:solidFill>
+                <a:schemeClr val="accent6"/>
+              </a:solidFill>
+            </a:endParaRPr>
+          </a:p>
+        </p:txBody>
+      </p:sp>
     </p:spTree>
     <p:extLst>
       <p:ext uri="{BB962C8B-B14F-4D97-AF65-F5344CB8AC3E}">
@@ -4341,6 +4554,28 @@
             <a:r>
               <a:rPr lang="en-AU" dirty="0" smtClean="0"/>
               <a:t>Creating a pantry to select all user’s pantry items</a:t>
+            </a:r>
+          </a:p>
+          <a:p>
+            <a:r>
+              <a:rPr lang="en-AU" dirty="0" smtClean="0"/>
+              <a:t>Social links </a:t>
+            </a:r>
+          </a:p>
+          <a:p>
+            <a:r>
+              <a:rPr lang="en-AU" dirty="0" smtClean="0"/>
+              <a:t>Profile creation</a:t>
+            </a:r>
+          </a:p>
+          <a:p>
+            <a:r>
+              <a:rPr lang="en-AU" dirty="0" err="1" smtClean="0"/>
+              <a:t>Tiktok</a:t>
+            </a:r>
+            <a:r>
+              <a:rPr lang="en-AU" dirty="0" smtClean="0"/>
+              <a:t> API/token </a:t>
             </a:r>
           </a:p>
           <a:p>
@@ -4463,6 +4698,44 @@
           </a:fontRef>
         </p:style>
       </p:cxnSp>
+      <p:sp>
+        <p:nvSpPr>
+          <p:cNvPr id="10" name="TextBox 9"/>
+          <p:cNvSpPr txBox="1"/>
+          <p:nvPr/>
+        </p:nvSpPr>
+        <p:spPr>
+          <a:xfrm>
+            <a:off x="615821" y="6408049"/>
+            <a:ext cx="4248150" cy="461665"/>
+          </a:xfrm>
+          <a:prstGeom prst="rect">
+            <a:avLst/>
+          </a:prstGeom>
+          <a:noFill/>
+        </p:spPr>
+        <p:txBody>
+          <a:bodyPr wrap="square" rtlCol="0">
+            <a:spAutoFit/>
+          </a:bodyPr>
+          <a:lstStyle/>
+          <a:p>
+            <a:r>
+              <a:rPr lang="en-AU" sz="2400" dirty="0" smtClean="0">
+                <a:solidFill>
+                  <a:schemeClr val="accent6"/>
+                </a:solidFill>
+              </a:rPr>
+              <a:t>Eat great. Feel greater!</a:t>
+            </a:r>
+            <a:endParaRPr lang="en-AU" sz="2400" dirty="0">
+              <a:solidFill>
+                <a:schemeClr val="accent6"/>
+              </a:solidFill>
+            </a:endParaRPr>
+          </a:p>
+        </p:txBody>
+      </p:sp>
     </p:spTree>
     <p:extLst>
       <p:ext uri="{BB962C8B-B14F-4D97-AF65-F5344CB8AC3E}">
@@ -4714,6 +4987,44 @@
           </a:fontRef>
         </p:style>
       </p:cxnSp>
+      <p:sp>
+        <p:nvSpPr>
+          <p:cNvPr id="10" name="TextBox 9"/>
+          <p:cNvSpPr txBox="1"/>
+          <p:nvPr/>
+        </p:nvSpPr>
+        <p:spPr>
+          <a:xfrm>
+            <a:off x="615821" y="6408049"/>
+            <a:ext cx="4248150" cy="461665"/>
+          </a:xfrm>
+          <a:prstGeom prst="rect">
+            <a:avLst/>
+          </a:prstGeom>
+          <a:noFill/>
+        </p:spPr>
+        <p:txBody>
+          <a:bodyPr wrap="square" rtlCol="0">
+            <a:spAutoFit/>
+          </a:bodyPr>
+          <a:lstStyle/>
+          <a:p>
+            <a:r>
+              <a:rPr lang="en-AU" sz="2400" dirty="0" smtClean="0">
+                <a:solidFill>
+                  <a:schemeClr val="accent6"/>
+                </a:solidFill>
+              </a:rPr>
+              <a:t>Eat great. Feel greater!</a:t>
+            </a:r>
+            <a:endParaRPr lang="en-AU" sz="2400" dirty="0">
+              <a:solidFill>
+                <a:schemeClr val="accent6"/>
+              </a:solidFill>
+            </a:endParaRPr>
+          </a:p>
+        </p:txBody>
+      </p:sp>
     </p:spTree>
     <p:extLst>
       <p:ext uri="{BB962C8B-B14F-4D97-AF65-F5344CB8AC3E}">
@@ -4799,6 +5110,7 @@
                     </a:schemeClr>
                   </a:glow>
                 </a:effectLst>
+                <a:latin typeface="Autography" pitchFamily="50" charset="0"/>
               </a:rPr>
               <a:t>Fridge Fren</a:t>
             </a:r>
@@ -5016,6 +5328,44 @@
           </a:fontRef>
         </p:style>
       </p:cxnSp>
+      <p:sp>
+        <p:nvSpPr>
+          <p:cNvPr id="16" name="TextBox 15"/>
+          <p:cNvSpPr txBox="1"/>
+          <p:nvPr/>
+        </p:nvSpPr>
+        <p:spPr>
+          <a:xfrm>
+            <a:off x="615821" y="6408049"/>
+            <a:ext cx="4248150" cy="461665"/>
+          </a:xfrm>
+          <a:prstGeom prst="rect">
+            <a:avLst/>
+          </a:prstGeom>
+          <a:noFill/>
+        </p:spPr>
+        <p:txBody>
+          <a:bodyPr wrap="square" rtlCol="0">
+            <a:spAutoFit/>
+          </a:bodyPr>
+          <a:lstStyle/>
+          <a:p>
+            <a:r>
+              <a:rPr lang="en-AU" sz="2400" dirty="0" smtClean="0">
+                <a:solidFill>
+                  <a:schemeClr val="accent6"/>
+                </a:solidFill>
+              </a:rPr>
+              <a:t>Eat great. Feel greater!</a:t>
+            </a:r>
+            <a:endParaRPr lang="en-AU" sz="2400" dirty="0">
+              <a:solidFill>
+                <a:schemeClr val="accent6"/>
+              </a:solidFill>
+            </a:endParaRPr>
+          </a:p>
+        </p:txBody>
+      </p:sp>
     </p:spTree>
     <p:extLst>
       <p:ext uri="{BB962C8B-B14F-4D97-AF65-F5344CB8AC3E}">
@@ -5292,6 +5642,44 @@
           </a:fontRef>
         </p:style>
       </p:cxnSp>
+      <p:sp>
+        <p:nvSpPr>
+          <p:cNvPr id="10" name="TextBox 9"/>
+          <p:cNvSpPr txBox="1"/>
+          <p:nvPr/>
+        </p:nvSpPr>
+        <p:spPr>
+          <a:xfrm>
+            <a:off x="615821" y="6408049"/>
+            <a:ext cx="4248150" cy="461665"/>
+          </a:xfrm>
+          <a:prstGeom prst="rect">
+            <a:avLst/>
+          </a:prstGeom>
+          <a:noFill/>
+        </p:spPr>
+        <p:txBody>
+          <a:bodyPr wrap="square" rtlCol="0">
+            <a:spAutoFit/>
+          </a:bodyPr>
+          <a:lstStyle/>
+          <a:p>
+            <a:r>
+              <a:rPr lang="en-AU" sz="2400" dirty="0" smtClean="0">
+                <a:solidFill>
+                  <a:schemeClr val="accent6"/>
+                </a:solidFill>
+              </a:rPr>
+              <a:t>Eat great. Feel greater!</a:t>
+            </a:r>
+            <a:endParaRPr lang="en-AU" sz="2400" dirty="0">
+              <a:solidFill>
+                <a:schemeClr val="accent6"/>
+              </a:solidFill>
+            </a:endParaRPr>
+          </a:p>
+        </p:txBody>
+      </p:sp>
     </p:spTree>
     <p:extLst>
       <p:ext uri="{BB962C8B-B14F-4D97-AF65-F5344CB8AC3E}">
@@ -5694,15 +6082,11 @@
             </a:r>
             <a:r>
               <a:rPr lang="en-US" dirty="0"/>
-              <a:t>I click on one of the search results of the </a:t>
-            </a:r>
-            <a:r>
-              <a:rPr lang="en-US" dirty="0" err="1" smtClean="0"/>
-              <a:t>TikTok</a:t>
+              <a:t>I click on </a:t>
             </a:r>
             <a:r>
               <a:rPr lang="en-US" dirty="0" smtClean="0"/>
-              <a:t> results</a:t>
+              <a:t>the nutrition information of the results</a:t>
             </a:r>
           </a:p>
           <a:p>
@@ -5721,31 +6105,29 @@
             </a:r>
             <a:r>
               <a:rPr lang="en-US" dirty="0"/>
-              <a:t>I am presented with a </a:t>
-            </a:r>
-            <a:r>
-              <a:rPr lang="en-US" dirty="0" err="1"/>
-              <a:t>TikTok</a:t>
-            </a:r>
-            <a:r>
-              <a:rPr lang="en-US" dirty="0"/>
-              <a:t> video from Thomas </a:t>
-            </a:r>
-            <a:r>
-              <a:rPr lang="en-US" dirty="0" err="1" smtClean="0"/>
-              <a:t>Straker</a:t>
+              <a:t>I am presented with </a:t>
             </a:r>
             <a:r>
               <a:rPr lang="en-US" dirty="0" smtClean="0"/>
-              <a:t> </a:t>
-            </a:r>
-            <a:r>
-              <a:rPr lang="en-US" dirty="0"/>
-              <a:t>for visual </a:t>
-            </a:r>
-            <a:r>
-              <a:rPr lang="en-US" dirty="0" smtClean="0"/>
-              <a:t>inspiration</a:t>
+              <a:t>the data that powers the </a:t>
+            </a:r>
+            <a:r>
+              <a:rPr lang="en-AU" dirty="0" err="1">
+                <a:hlinkClick r:id="rId2"/>
+              </a:rPr>
+              <a:t>Nutritionix</a:t>
+            </a:r>
+            <a:r>
+              <a:rPr lang="en-AU" dirty="0">
+                <a:hlinkClick r:id="rId2"/>
+              </a:rPr>
+              <a:t> Track mobile </a:t>
+            </a:r>
+            <a:r>
+              <a:rPr lang="en-AU" dirty="0" smtClean="0">
+                <a:hlinkClick r:id="rId2"/>
+              </a:rPr>
+              <a:t>app</a:t>
             </a:r>
             <a:endParaRPr lang="en-AU" dirty="0"/>
           </a:p>
@@ -5866,6 +6248,44 @@
           </a:fontRef>
         </p:style>
       </p:cxnSp>
+      <p:sp>
+        <p:nvSpPr>
+          <p:cNvPr id="10" name="TextBox 9"/>
+          <p:cNvSpPr txBox="1"/>
+          <p:nvPr/>
+        </p:nvSpPr>
+        <p:spPr>
+          <a:xfrm>
+            <a:off x="615821" y="6408049"/>
+            <a:ext cx="4248150" cy="461665"/>
+          </a:xfrm>
+          <a:prstGeom prst="rect">
+            <a:avLst/>
+          </a:prstGeom>
+          <a:noFill/>
+        </p:spPr>
+        <p:txBody>
+          <a:bodyPr wrap="square" rtlCol="0">
+            <a:spAutoFit/>
+          </a:bodyPr>
+          <a:lstStyle/>
+          <a:p>
+            <a:r>
+              <a:rPr lang="en-AU" sz="2400" dirty="0" smtClean="0">
+                <a:solidFill>
+                  <a:schemeClr val="accent6"/>
+                </a:solidFill>
+              </a:rPr>
+              <a:t>Eat great. Feel greater!</a:t>
+            </a:r>
+            <a:endParaRPr lang="en-AU" sz="2400" dirty="0">
+              <a:solidFill>
+                <a:schemeClr val="accent6"/>
+              </a:solidFill>
+            </a:endParaRPr>
+          </a:p>
+        </p:txBody>
+      </p:sp>
     </p:spTree>
     <p:extLst>
       <p:ext uri="{BB962C8B-B14F-4D97-AF65-F5344CB8AC3E}">
@@ -6245,6 +6665,44 @@
           </a:fontRef>
         </p:style>
       </p:cxnSp>
+      <p:sp>
+        <p:nvSpPr>
+          <p:cNvPr id="10" name="TextBox 9"/>
+          <p:cNvSpPr txBox="1"/>
+          <p:nvPr/>
+        </p:nvSpPr>
+        <p:spPr>
+          <a:xfrm>
+            <a:off x="615821" y="6408049"/>
+            <a:ext cx="4248150" cy="461665"/>
+          </a:xfrm>
+          <a:prstGeom prst="rect">
+            <a:avLst/>
+          </a:prstGeom>
+          <a:noFill/>
+        </p:spPr>
+        <p:txBody>
+          <a:bodyPr wrap="square" rtlCol="0">
+            <a:spAutoFit/>
+          </a:bodyPr>
+          <a:lstStyle/>
+          <a:p>
+            <a:r>
+              <a:rPr lang="en-AU" sz="2400" dirty="0" smtClean="0">
+                <a:solidFill>
+                  <a:schemeClr val="accent6"/>
+                </a:solidFill>
+              </a:rPr>
+              <a:t>Eat great. Feel greater!</a:t>
+            </a:r>
+            <a:endParaRPr lang="en-AU" sz="2400" dirty="0">
+              <a:solidFill>
+                <a:schemeClr val="accent6"/>
+              </a:solidFill>
+            </a:endParaRPr>
+          </a:p>
+        </p:txBody>
+      </p:sp>
     </p:spTree>
     <p:extLst>
       <p:ext uri="{BB962C8B-B14F-4D97-AF65-F5344CB8AC3E}">
@@ -6495,7 +6953,7 @@
         </p:spPr>
         <p:txBody>
           <a:bodyPr>
-            <a:normAutofit lnSpcReduction="10000"/>
+            <a:normAutofit/>
           </a:bodyPr>
           <a:lstStyle/>
           <a:p>
@@ -6516,55 +6974,36 @@
             </a:r>
             <a:r>
               <a:rPr lang="en-AU" dirty="0" smtClean="0"/>
-              <a:t>was split into three pages, each team member assigned to one page. </a:t>
-            </a:r>
-          </a:p>
-          <a:p>
-            <a:pPr marL="514350" indent="-514350">
-              <a:buFont typeface="+mj-lt"/>
-              <a:buAutoNum type="arabicPeriod"/>
-            </a:pPr>
-            <a:r>
-              <a:rPr lang="en-AU" dirty="0" smtClean="0"/>
-              <a:t>Home page</a:t>
-            </a:r>
-          </a:p>
-          <a:p>
-            <a:pPr marL="514350" indent="-514350">
-              <a:buFont typeface="+mj-lt"/>
-              <a:buAutoNum type="arabicPeriod"/>
-            </a:pPr>
-            <a:r>
-              <a:rPr lang="en-AU" dirty="0" smtClean="0"/>
-              <a:t>Search </a:t>
+              <a:t>was split into three pages, each team member assigned to one page: home page, search </a:t>
             </a:r>
             <a:r>
               <a:rPr lang="en-AU" dirty="0" smtClean="0"/>
               <a:t>page</a:t>
             </a:r>
-            <a:endParaRPr lang="en-AU" dirty="0" smtClean="0"/>
-          </a:p>
-          <a:p>
-            <a:pPr marL="514350" indent="-514350">
-              <a:buFont typeface="+mj-lt"/>
-              <a:buAutoNum type="arabicPeriod"/>
+            <a:r>
+              <a:rPr lang="en-AU" dirty="0"/>
+              <a:t> </a:t>
+            </a:r>
+            <a:r>
+              <a:rPr lang="en-AU" dirty="0" smtClean="0"/>
+              <a:t>and r</a:t>
+            </a:r>
+            <a:r>
+              <a:rPr lang="en-AU" dirty="0" smtClean="0"/>
+              <a:t>esults </a:t>
+            </a:r>
+            <a:r>
+              <a:rPr lang="en-AU" dirty="0" smtClean="0"/>
+              <a:t>page. </a:t>
+            </a:r>
+          </a:p>
+          <a:p>
+            <a:pPr marL="0" indent="0">
+              <a:buNone/>
             </a:pPr>
             <a:r>
               <a:rPr lang="en-AU" dirty="0" smtClean="0"/>
-              <a:t>Results </a:t>
-            </a:r>
-            <a:r>
-              <a:rPr lang="en-AU" dirty="0" smtClean="0"/>
-              <a:t>page</a:t>
-            </a:r>
-          </a:p>
-          <a:p>
-            <a:pPr marL="0" indent="0">
-              <a:buNone/>
-            </a:pPr>
-            <a:r>
-              <a:rPr lang="en-AU" dirty="0" smtClean="0"/>
-              <a:t>During development, the home page and search page were merged for user experience. Each team member was involved in the overall design and testing of the app.</a:t>
+              <a:t>During development, the three pages were merged for user experience. Each team member was involved in the overall design and testing of the app. The API’s originally selected proved a hurdle, and the </a:t>
             </a:r>
           </a:p>
           <a:p>
@@ -6690,6 +7129,44 @@
           </a:fontRef>
         </p:style>
       </p:cxnSp>
+      <p:sp>
+        <p:nvSpPr>
+          <p:cNvPr id="10" name="TextBox 9"/>
+          <p:cNvSpPr txBox="1"/>
+          <p:nvPr/>
+        </p:nvSpPr>
+        <p:spPr>
+          <a:xfrm>
+            <a:off x="615821" y="6408049"/>
+            <a:ext cx="4248150" cy="461665"/>
+          </a:xfrm>
+          <a:prstGeom prst="rect">
+            <a:avLst/>
+          </a:prstGeom>
+          <a:noFill/>
+        </p:spPr>
+        <p:txBody>
+          <a:bodyPr wrap="square" rtlCol="0">
+            <a:spAutoFit/>
+          </a:bodyPr>
+          <a:lstStyle/>
+          <a:p>
+            <a:r>
+              <a:rPr lang="en-AU" sz="2400" dirty="0" smtClean="0">
+                <a:solidFill>
+                  <a:schemeClr val="accent6"/>
+                </a:solidFill>
+              </a:rPr>
+              <a:t>Eat great. Feel greater!</a:t>
+            </a:r>
+            <a:endParaRPr lang="en-AU" sz="2400" dirty="0">
+              <a:solidFill>
+                <a:schemeClr val="accent6"/>
+              </a:solidFill>
+            </a:endParaRPr>
+          </a:p>
+        </p:txBody>
+      </p:sp>
     </p:spTree>
     <p:extLst>
       <p:ext uri="{BB962C8B-B14F-4D97-AF65-F5344CB8AC3E}">
@@ -6836,6 +7313,26 @@
             <a:r>
               <a:rPr lang="en-AU" dirty="0" smtClean="0"/>
               <a:t> dev tools embed </a:t>
+            </a:r>
+          </a:p>
+          <a:p>
+            <a:r>
+              <a:rPr lang="en-AU" dirty="0" smtClean="0"/>
+              <a:t>Decided that the </a:t>
+            </a:r>
+            <a:r>
+              <a:rPr lang="en-AU" dirty="0" err="1" smtClean="0"/>
+              <a:t>TikTok</a:t>
+            </a:r>
+            <a:r>
+              <a:rPr lang="en-AU" dirty="0" smtClean="0"/>
+              <a:t> embed wasn’t a true API call </a:t>
+            </a:r>
+          </a:p>
+          <a:p>
+            <a:r>
+              <a:rPr lang="en-AU" dirty="0" smtClean="0"/>
+              <a:t>Redesigned the second API </a:t>
             </a:r>
           </a:p>
           <a:p>
@@ -6981,6 +7478,44 @@
           </a:fontRef>
         </p:style>
       </p:cxnSp>
+      <p:sp>
+        <p:nvSpPr>
+          <p:cNvPr id="10" name="TextBox 9"/>
+          <p:cNvSpPr txBox="1"/>
+          <p:nvPr/>
+        </p:nvSpPr>
+        <p:spPr>
+          <a:xfrm>
+            <a:off x="615821" y="6408049"/>
+            <a:ext cx="4248150" cy="461665"/>
+          </a:xfrm>
+          <a:prstGeom prst="rect">
+            <a:avLst/>
+          </a:prstGeom>
+          <a:noFill/>
+        </p:spPr>
+        <p:txBody>
+          <a:bodyPr wrap="square" rtlCol="0">
+            <a:spAutoFit/>
+          </a:bodyPr>
+          <a:lstStyle/>
+          <a:p>
+            <a:r>
+              <a:rPr lang="en-AU" sz="2400" dirty="0" smtClean="0">
+                <a:solidFill>
+                  <a:schemeClr val="accent6"/>
+                </a:solidFill>
+              </a:rPr>
+              <a:t>Eat great. Feel greater!</a:t>
+            </a:r>
+            <a:endParaRPr lang="en-AU" sz="2400" dirty="0">
+              <a:solidFill>
+                <a:schemeClr val="accent6"/>
+              </a:solidFill>
+            </a:endParaRPr>
+          </a:p>
+        </p:txBody>
+      </p:sp>
     </p:spTree>
     <p:extLst>
       <p:ext uri="{BB962C8B-B14F-4D97-AF65-F5344CB8AC3E}">
@@ -7090,12 +7625,38 @@
             <p:ph idx="1"/>
           </p:nvPr>
         </p:nvSpPr>
-        <p:spPr/>
+        <p:spPr>
+          <a:xfrm>
+            <a:off x="838200" y="1253331"/>
+            <a:ext cx="10515600" cy="4351338"/>
+          </a:xfrm>
+        </p:spPr>
         <p:txBody>
           <a:bodyPr/>
           <a:lstStyle/>
           <a:p>
-            <a:endParaRPr lang="en-AU"/>
+            <a:r>
+              <a:rPr lang="en-AU" dirty="0" smtClean="0"/>
+              <a:t>API links </a:t>
+            </a:r>
+          </a:p>
+          <a:p>
+            <a:r>
+              <a:rPr lang="en-AU" dirty="0" smtClean="0"/>
+              <a:t>Images </a:t>
+            </a:r>
+          </a:p>
+          <a:p>
+            <a:r>
+              <a:rPr lang="en-AU" dirty="0" smtClean="0"/>
+              <a:t>Results </a:t>
+            </a:r>
+          </a:p>
+          <a:p>
+            <a:pPr marL="0" indent="0">
+              <a:buNone/>
+            </a:pPr>
+            <a:endParaRPr lang="en-AU" dirty="0"/>
           </a:p>
         </p:txBody>
       </p:sp>
@@ -7214,6 +7775,44 @@
           </a:fontRef>
         </p:style>
       </p:cxnSp>
+      <p:sp>
+        <p:nvSpPr>
+          <p:cNvPr id="10" name="TextBox 9"/>
+          <p:cNvSpPr txBox="1"/>
+          <p:nvPr/>
+        </p:nvSpPr>
+        <p:spPr>
+          <a:xfrm>
+            <a:off x="615821" y="6408049"/>
+            <a:ext cx="4248150" cy="461665"/>
+          </a:xfrm>
+          <a:prstGeom prst="rect">
+            <a:avLst/>
+          </a:prstGeom>
+          <a:noFill/>
+        </p:spPr>
+        <p:txBody>
+          <a:bodyPr wrap="square" rtlCol="0">
+            <a:spAutoFit/>
+          </a:bodyPr>
+          <a:lstStyle/>
+          <a:p>
+            <a:r>
+              <a:rPr lang="en-AU" sz="2400" dirty="0" smtClean="0">
+                <a:solidFill>
+                  <a:schemeClr val="accent6"/>
+                </a:solidFill>
+              </a:rPr>
+              <a:t>Eat great. Feel greater!</a:t>
+            </a:r>
+            <a:endParaRPr lang="en-AU" sz="2400" dirty="0">
+              <a:solidFill>
+                <a:schemeClr val="accent6"/>
+              </a:solidFill>
+            </a:endParaRPr>
+          </a:p>
+        </p:txBody>
+      </p:sp>
     </p:spTree>
     <p:extLst>
       <p:ext uri="{BB962C8B-B14F-4D97-AF65-F5344CB8AC3E}">
@@ -7259,25 +7858,6 @@
           <a:chExt cx="0" cy="0"/>
         </a:xfrm>
       </p:grpSpPr>
-      <p:sp>
-        <p:nvSpPr>
-          <p:cNvPr id="2" name="Title 1"/>
-          <p:cNvSpPr>
-            <a:spLocks noGrp="1"/>
-          </p:cNvSpPr>
-          <p:nvPr>
-            <p:ph type="title"/>
-          </p:nvPr>
-        </p:nvSpPr>
-        <p:spPr/>
-        <p:txBody>
-          <a:bodyPr/>
-          <a:lstStyle/>
-          <a:p>
-            <a:endParaRPr lang="en-AU"/>
-          </a:p>
-        </p:txBody>
-      </p:sp>
       <p:sp>
         <p:nvSpPr>
           <p:cNvPr id="3" name="Content Placeholder 2"/>
@@ -7440,6 +8020,44 @@
           </a:fontRef>
         </p:style>
       </p:cxnSp>
+      <p:sp>
+        <p:nvSpPr>
+          <p:cNvPr id="10" name="TextBox 9"/>
+          <p:cNvSpPr txBox="1"/>
+          <p:nvPr/>
+        </p:nvSpPr>
+        <p:spPr>
+          <a:xfrm>
+            <a:off x="615821" y="6408049"/>
+            <a:ext cx="4248150" cy="461665"/>
+          </a:xfrm>
+          <a:prstGeom prst="rect">
+            <a:avLst/>
+          </a:prstGeom>
+          <a:noFill/>
+        </p:spPr>
+        <p:txBody>
+          <a:bodyPr wrap="square" rtlCol="0">
+            <a:spAutoFit/>
+          </a:bodyPr>
+          <a:lstStyle/>
+          <a:p>
+            <a:r>
+              <a:rPr lang="en-AU" sz="2400" dirty="0" smtClean="0">
+                <a:solidFill>
+                  <a:schemeClr val="accent6"/>
+                </a:solidFill>
+              </a:rPr>
+              <a:t>Eat great. Feel greater!</a:t>
+            </a:r>
+            <a:endParaRPr lang="en-AU" sz="2400" dirty="0">
+              <a:solidFill>
+                <a:schemeClr val="accent6"/>
+              </a:solidFill>
+            </a:endParaRPr>
+          </a:p>
+        </p:txBody>
+      </p:sp>
     </p:spTree>
     <p:extLst>
       <p:ext uri="{BB962C8B-B14F-4D97-AF65-F5344CB8AC3E}">
